--- a/curso_grafos/grafos.pptx
+++ b/curso_grafos/grafos.pptx
@@ -5,7 +5,7 @@
     <p:sldMasterId id="2147483648" r:id="rId1"/>
   </p:sldMasterIdLst>
   <p:notesMasterIdLst>
-    <p:notesMasterId r:id="rId16"/>
+    <p:notesMasterId r:id="rId20"/>
   </p:notesMasterIdLst>
   <p:sldIdLst>
     <p:sldId id="256" r:id="rId2"/>
@@ -22,6 +22,10 @@
     <p:sldId id="285" r:id="rId13"/>
     <p:sldId id="286" r:id="rId14"/>
     <p:sldId id="288" r:id="rId15"/>
+    <p:sldId id="290" r:id="rId16"/>
+    <p:sldId id="289" r:id="rId17"/>
+    <p:sldId id="291" r:id="rId18"/>
+    <p:sldId id="292" r:id="rId19"/>
   </p:sldIdLst>
   <p:sldSz cx="12192000" cy="6858000"/>
   <p:notesSz cx="6858000" cy="9144000"/>
@@ -4430,8 +4434,8 @@
           </a:p>
         </p:txBody>
       </p:sp>
-      <mc:AlternateContent xmlns:mc="http://schemas.openxmlformats.org/markup-compatibility/2006">
-        <mc:Choice xmlns:a14="http://schemas.microsoft.com/office/drawing/2010/main" Requires="a14">
+      <mc:AlternateContent xmlns:mc="http://schemas.openxmlformats.org/markup-compatibility/2006" xmlns:a14="http://schemas.microsoft.com/office/drawing/2010/main">
+        <mc:Choice Requires="a14">
           <p:sp>
             <p:nvSpPr>
               <p:cNvPr id="3" name="Espaço Reservado para Conteúdo 2"/>
@@ -4502,13 +4506,7 @@
                           <a:rPr lang="en-US" b="0" i="1" smtClean="0">
                             <a:latin typeface="Cambria Math" panose="02040503050406030204" pitchFamily="18" charset="0"/>
                           </a:rPr>
-                          <m:t>2</m:t>
-                        </m:r>
-                        <m:r>
-                          <a:rPr lang="en-US" b="0" i="1" smtClean="0">
-                            <a:latin typeface="Cambria Math" panose="02040503050406030204" pitchFamily="18" charset="0"/>
-                          </a:rPr>
-                          <m:t>|</m:t>
+                          <m:t>2|</m:t>
                         </m:r>
                         <m:r>
                           <a:rPr lang="en-US" b="0" i="1" smtClean="0">
@@ -5120,7 +5118,7 @@
             </p:txBody>
           </p:sp>
         </mc:Choice>
-        <mc:Fallback>
+        <mc:Fallback xmlns="">
           <p:sp>
             <p:nvSpPr>
               <p:cNvPr id="3" name="Espaço Reservado para Conteúdo 2"/>
@@ -5279,6 +5277,493 @@
 </p:sld>
 </file>
 
+<file path=ppt/slides/slide15.xml><?xml version="1.0" encoding="utf-8"?>
+<p:sld xmlns:a="http://schemas.openxmlformats.org/drawingml/2006/main" xmlns:r="http://schemas.openxmlformats.org/officeDocument/2006/relationships" xmlns:p="http://schemas.openxmlformats.org/presentationml/2006/main">
+  <p:cSld>
+    <p:spTree>
+      <p:nvGrpSpPr>
+        <p:cNvPr id="1" name=""/>
+        <p:cNvGrpSpPr/>
+        <p:nvPr/>
+      </p:nvGrpSpPr>
+      <p:grpSpPr>
+        <a:xfrm>
+          <a:off x="0" y="0"/>
+          <a:ext cx="0" cy="0"/>
+          <a:chOff x="0" y="0"/>
+          <a:chExt cx="0" cy="0"/>
+        </a:xfrm>
+      </p:grpSpPr>
+      <p:sp>
+        <p:nvSpPr>
+          <p:cNvPr id="2" name="Title 1">
+            <a:extLst>
+              <a:ext uri="{FF2B5EF4-FFF2-40B4-BE49-F238E27FC236}">
+                <a16:creationId xmlns:a16="http://schemas.microsoft.com/office/drawing/2014/main" id="{4AF4892E-BBE2-0648-8D79-50C33A04F0B1}"/>
+              </a:ext>
+            </a:extLst>
+          </p:cNvPr>
+          <p:cNvSpPr>
+            <a:spLocks noGrp="1"/>
+          </p:cNvSpPr>
+          <p:nvPr>
+            <p:ph type="title"/>
+          </p:nvPr>
+        </p:nvSpPr>
+        <p:spPr/>
+        <p:txBody>
+          <a:bodyPr/>
+          <a:lstStyle/>
+          <a:p>
+            <a:r>
+              <a:rPr lang="pt-BR" dirty="0"/>
+              <a:t>Busca – </a:t>
+            </a:r>
+            <a:r>
+              <a:rPr lang="pt-BR" dirty="0" err="1"/>
+              <a:t>Ralaxamento</a:t>
+            </a:r>
+            <a:endParaRPr lang="pt-BR" dirty="0"/>
+          </a:p>
+        </p:txBody>
+      </p:sp>
+      <p:pic>
+        <p:nvPicPr>
+          <p:cNvPr id="5" name="Content Placeholder 4">
+            <a:extLst>
+              <a:ext uri="{FF2B5EF4-FFF2-40B4-BE49-F238E27FC236}">
+                <a16:creationId xmlns:a16="http://schemas.microsoft.com/office/drawing/2014/main" id="{5AC69ACC-C428-B546-86C5-5675EFDDA74A}"/>
+              </a:ext>
+            </a:extLst>
+          </p:cNvPr>
+          <p:cNvPicPr>
+            <a:picLocks noGrp="1" noChangeAspect="1"/>
+          </p:cNvPicPr>
+          <p:nvPr>
+            <p:ph idx="1"/>
+          </p:nvPr>
+        </p:nvPicPr>
+        <p:blipFill>
+          <a:blip r:embed="rId2"/>
+          <a:stretch>
+            <a:fillRect/>
+          </a:stretch>
+        </p:blipFill>
+        <p:spPr>
+          <a:xfrm>
+            <a:off x="3860377" y="2405157"/>
+            <a:ext cx="4785678" cy="2110049"/>
+          </a:xfrm>
+        </p:spPr>
+      </p:pic>
+      <p:sp>
+        <p:nvSpPr>
+          <p:cNvPr id="6" name="TextBox 5">
+            <a:extLst>
+              <a:ext uri="{FF2B5EF4-FFF2-40B4-BE49-F238E27FC236}">
+                <a16:creationId xmlns:a16="http://schemas.microsoft.com/office/drawing/2014/main" id="{FCAD5247-5360-7242-89E1-383F27182021}"/>
+              </a:ext>
+            </a:extLst>
+          </p:cNvPr>
+          <p:cNvSpPr txBox="1"/>
+          <p:nvPr/>
+        </p:nvSpPr>
+        <p:spPr>
+          <a:xfrm>
+            <a:off x="1901952" y="5742432"/>
+            <a:ext cx="1537600" cy="369332"/>
+          </a:xfrm>
+          <a:prstGeom prst="rect">
+            <a:avLst/>
+          </a:prstGeom>
+          <a:noFill/>
+        </p:spPr>
+        <p:txBody>
+          <a:bodyPr wrap="none" rtlCol="0">
+            <a:spAutoFit/>
+          </a:bodyPr>
+          <a:lstStyle/>
+          <a:p>
+            <a:r>
+              <a:rPr lang="pt-BR" dirty="0"/>
+              <a:t>* </a:t>
+            </a:r>
+            <a:r>
+              <a:rPr lang="pt-BR" dirty="0" err="1"/>
+              <a:t>Cormen</a:t>
+            </a:r>
+            <a:r>
+              <a:rPr lang="pt-BR" dirty="0"/>
+              <a:t> 3ed</a:t>
+            </a:r>
+          </a:p>
+        </p:txBody>
+      </p:sp>
+    </p:spTree>
+    <p:extLst>
+      <p:ext uri="{BB962C8B-B14F-4D97-AF65-F5344CB8AC3E}">
+        <p14:creationId xmlns:p14="http://schemas.microsoft.com/office/powerpoint/2010/main" val="4013654208"/>
+      </p:ext>
+    </p:extLst>
+  </p:cSld>
+  <p:clrMapOvr>
+    <a:masterClrMapping/>
+  </p:clrMapOvr>
+</p:sld>
+</file>
+
+<file path=ppt/slides/slide16.xml><?xml version="1.0" encoding="utf-8"?>
+<p:sld xmlns:a="http://schemas.openxmlformats.org/drawingml/2006/main" xmlns:r="http://schemas.openxmlformats.org/officeDocument/2006/relationships" xmlns:p="http://schemas.openxmlformats.org/presentationml/2006/main">
+  <p:cSld>
+    <p:spTree>
+      <p:nvGrpSpPr>
+        <p:cNvPr id="1" name=""/>
+        <p:cNvGrpSpPr/>
+        <p:nvPr/>
+      </p:nvGrpSpPr>
+      <p:grpSpPr>
+        <a:xfrm>
+          <a:off x="0" y="0"/>
+          <a:ext cx="0" cy="0"/>
+          <a:chOff x="0" y="0"/>
+          <a:chExt cx="0" cy="0"/>
+        </a:xfrm>
+      </p:grpSpPr>
+      <p:sp>
+        <p:nvSpPr>
+          <p:cNvPr id="2" name="Title 1">
+            <a:extLst>
+              <a:ext uri="{FF2B5EF4-FFF2-40B4-BE49-F238E27FC236}">
+                <a16:creationId xmlns:a16="http://schemas.microsoft.com/office/drawing/2014/main" id="{C29B564C-B0F8-4946-B889-2A4F851D38DF}"/>
+              </a:ext>
+            </a:extLst>
+          </p:cNvPr>
+          <p:cNvSpPr>
+            <a:spLocks noGrp="1"/>
+          </p:cNvSpPr>
+          <p:nvPr>
+            <p:ph type="title"/>
+          </p:nvPr>
+        </p:nvSpPr>
+        <p:spPr/>
+        <p:txBody>
+          <a:bodyPr/>
+          <a:lstStyle/>
+          <a:p>
+            <a:r>
+              <a:rPr lang="pt-BR" dirty="0"/>
+              <a:t>BUSCA</a:t>
+            </a:r>
+          </a:p>
+        </p:txBody>
+      </p:sp>
+      <p:sp>
+        <p:nvSpPr>
+          <p:cNvPr id="3" name="Content Placeholder 2">
+            <a:extLst>
+              <a:ext uri="{FF2B5EF4-FFF2-40B4-BE49-F238E27FC236}">
+                <a16:creationId xmlns:a16="http://schemas.microsoft.com/office/drawing/2014/main" id="{EEF31490-0FF4-0B4C-B31B-F8F4A98B52E4}"/>
+              </a:ext>
+            </a:extLst>
+          </p:cNvPr>
+          <p:cNvSpPr>
+            <a:spLocks noGrp="1"/>
+          </p:cNvSpPr>
+          <p:nvPr>
+            <p:ph idx="1"/>
+          </p:nvPr>
+        </p:nvSpPr>
+        <p:spPr/>
+        <p:txBody>
+          <a:bodyPr/>
+          <a:lstStyle/>
+          <a:p>
+            <a:r>
+              <a:rPr lang="pt-BR" dirty="0"/>
+              <a:t>BFS</a:t>
+            </a:r>
+          </a:p>
+          <a:p>
+            <a:r>
+              <a:rPr lang="pt-BR" dirty="0"/>
+              <a:t>DFS</a:t>
+            </a:r>
+          </a:p>
+          <a:p>
+            <a:pPr lvl="1"/>
+            <a:r>
+              <a:rPr lang="pt-BR" dirty="0"/>
+              <a:t>Ordenamento topológico</a:t>
+            </a:r>
+          </a:p>
+          <a:p>
+            <a:r>
+              <a:rPr lang="pt-BR" dirty="0" err="1"/>
+              <a:t>Dijkstra</a:t>
+            </a:r>
+            <a:endParaRPr lang="pt-BR" dirty="0"/>
+          </a:p>
+          <a:p>
+            <a:r>
+              <a:rPr lang="pt-BR" dirty="0" err="1"/>
+              <a:t>Bellman</a:t>
+            </a:r>
+            <a:r>
+              <a:rPr lang="pt-BR" dirty="0"/>
+              <a:t>-Ford</a:t>
+            </a:r>
+          </a:p>
+          <a:p>
+            <a:r>
+              <a:rPr lang="pt-BR"/>
+              <a:t>A*</a:t>
+            </a:r>
+            <a:endParaRPr lang="pt-BR" dirty="0"/>
+          </a:p>
+          <a:p>
+            <a:endParaRPr lang="pt-BR" dirty="0"/>
+          </a:p>
+        </p:txBody>
+      </p:sp>
+    </p:spTree>
+    <p:extLst>
+      <p:ext uri="{BB962C8B-B14F-4D97-AF65-F5344CB8AC3E}">
+        <p14:creationId xmlns:p14="http://schemas.microsoft.com/office/powerpoint/2010/main" val="2176593219"/>
+      </p:ext>
+    </p:extLst>
+  </p:cSld>
+  <p:clrMapOvr>
+    <a:masterClrMapping/>
+  </p:clrMapOvr>
+</p:sld>
+</file>
+
+<file path=ppt/slides/slide17.xml><?xml version="1.0" encoding="utf-8"?>
+<p:sld xmlns:a="http://schemas.openxmlformats.org/drawingml/2006/main" xmlns:r="http://schemas.openxmlformats.org/officeDocument/2006/relationships" xmlns:p="http://schemas.openxmlformats.org/presentationml/2006/main">
+  <p:cSld>
+    <p:spTree>
+      <p:nvGrpSpPr>
+        <p:cNvPr id="1" name=""/>
+        <p:cNvGrpSpPr/>
+        <p:nvPr/>
+      </p:nvGrpSpPr>
+      <p:grpSpPr>
+        <a:xfrm>
+          <a:off x="0" y="0"/>
+          <a:ext cx="0" cy="0"/>
+          <a:chOff x="0" y="0"/>
+          <a:chExt cx="0" cy="0"/>
+        </a:xfrm>
+      </p:grpSpPr>
+      <p:sp>
+        <p:nvSpPr>
+          <p:cNvPr id="2" name="Title 1">
+            <a:extLst>
+              <a:ext uri="{FF2B5EF4-FFF2-40B4-BE49-F238E27FC236}">
+                <a16:creationId xmlns:a16="http://schemas.microsoft.com/office/drawing/2014/main" id="{6BCB1EDD-0789-B04E-8CFF-0A9774DD8922}"/>
+              </a:ext>
+            </a:extLst>
+          </p:cNvPr>
+          <p:cNvSpPr>
+            <a:spLocks noGrp="1"/>
+          </p:cNvSpPr>
+          <p:nvPr>
+            <p:ph type="title"/>
+          </p:nvPr>
+        </p:nvSpPr>
+        <p:spPr/>
+        <p:txBody>
+          <a:bodyPr/>
+          <a:lstStyle/>
+          <a:p>
+            <a:r>
+              <a:rPr lang="pt-BR" dirty="0"/>
+              <a:t>Ordenamento topológico</a:t>
+            </a:r>
+          </a:p>
+        </p:txBody>
+      </p:sp>
+      <p:pic>
+        <p:nvPicPr>
+          <p:cNvPr id="5" name="Content Placeholder 4">
+            <a:extLst>
+              <a:ext uri="{FF2B5EF4-FFF2-40B4-BE49-F238E27FC236}">
+                <a16:creationId xmlns:a16="http://schemas.microsoft.com/office/drawing/2014/main" id="{00A88587-677F-8842-B4A7-64F4EF0FB300}"/>
+              </a:ext>
+            </a:extLst>
+          </p:cNvPr>
+          <p:cNvPicPr>
+            <a:picLocks noGrp="1" noChangeAspect="1"/>
+          </p:cNvPicPr>
+          <p:nvPr>
+            <p:ph idx="1"/>
+          </p:nvPr>
+        </p:nvPicPr>
+        <p:blipFill>
+          <a:blip r:embed="rId2"/>
+          <a:stretch>
+            <a:fillRect/>
+          </a:stretch>
+        </p:blipFill>
+        <p:spPr>
+          <a:xfrm>
+            <a:off x="2160184" y="1945194"/>
+            <a:ext cx="8186063" cy="4162998"/>
+          </a:xfrm>
+        </p:spPr>
+      </p:pic>
+      <p:sp>
+        <p:nvSpPr>
+          <p:cNvPr id="6" name="TextBox 5">
+            <a:extLst>
+              <a:ext uri="{FF2B5EF4-FFF2-40B4-BE49-F238E27FC236}">
+                <a16:creationId xmlns:a16="http://schemas.microsoft.com/office/drawing/2014/main" id="{1571D419-08CB-B741-8621-4F881A25426D}"/>
+              </a:ext>
+            </a:extLst>
+          </p:cNvPr>
+          <p:cNvSpPr txBox="1"/>
+          <p:nvPr/>
+        </p:nvSpPr>
+        <p:spPr>
+          <a:xfrm>
+            <a:off x="1700784" y="6327648"/>
+            <a:ext cx="1537600" cy="369332"/>
+          </a:xfrm>
+          <a:prstGeom prst="rect">
+            <a:avLst/>
+          </a:prstGeom>
+          <a:noFill/>
+        </p:spPr>
+        <p:txBody>
+          <a:bodyPr wrap="none" rtlCol="0">
+            <a:spAutoFit/>
+          </a:bodyPr>
+          <a:lstStyle/>
+          <a:p>
+            <a:r>
+              <a:rPr lang="pt-BR" dirty="0"/>
+              <a:t>* </a:t>
+            </a:r>
+            <a:r>
+              <a:rPr lang="pt-BR" dirty="0" err="1"/>
+              <a:t>Cormen</a:t>
+            </a:r>
+            <a:r>
+              <a:rPr lang="pt-BR" dirty="0"/>
+              <a:t> 3ed</a:t>
+            </a:r>
+          </a:p>
+        </p:txBody>
+      </p:sp>
+    </p:spTree>
+    <p:extLst>
+      <p:ext uri="{BB962C8B-B14F-4D97-AF65-F5344CB8AC3E}">
+        <p14:creationId xmlns:p14="http://schemas.microsoft.com/office/powerpoint/2010/main" val="101988832"/>
+      </p:ext>
+    </p:extLst>
+  </p:cSld>
+  <p:clrMapOvr>
+    <a:masterClrMapping/>
+  </p:clrMapOvr>
+</p:sld>
+</file>
+
+<file path=ppt/slides/slide18.xml><?xml version="1.0" encoding="utf-8"?>
+<p:sld xmlns:a="http://schemas.openxmlformats.org/drawingml/2006/main" xmlns:r="http://schemas.openxmlformats.org/officeDocument/2006/relationships" xmlns:p="http://schemas.openxmlformats.org/presentationml/2006/main">
+  <p:cSld>
+    <p:spTree>
+      <p:nvGrpSpPr>
+        <p:cNvPr id="1" name=""/>
+        <p:cNvGrpSpPr/>
+        <p:nvPr/>
+      </p:nvGrpSpPr>
+      <p:grpSpPr>
+        <a:xfrm>
+          <a:off x="0" y="0"/>
+          <a:ext cx="0" cy="0"/>
+          <a:chOff x="0" y="0"/>
+          <a:chExt cx="0" cy="0"/>
+        </a:xfrm>
+      </p:grpSpPr>
+      <p:sp>
+        <p:nvSpPr>
+          <p:cNvPr id="2" name="Title 1">
+            <a:extLst>
+              <a:ext uri="{FF2B5EF4-FFF2-40B4-BE49-F238E27FC236}">
+                <a16:creationId xmlns:a16="http://schemas.microsoft.com/office/drawing/2014/main" id="{FE068523-ADCB-F941-A82F-FA11D1AAD12E}"/>
+              </a:ext>
+            </a:extLst>
+          </p:cNvPr>
+          <p:cNvSpPr>
+            <a:spLocks noGrp="1"/>
+          </p:cNvSpPr>
+          <p:nvPr>
+            <p:ph type="title"/>
+          </p:nvPr>
+        </p:nvSpPr>
+        <p:spPr/>
+        <p:txBody>
+          <a:bodyPr/>
+          <a:lstStyle/>
+          <a:p>
+            <a:r>
+              <a:rPr lang="pt-BR" dirty="0"/>
+              <a:t>contatos</a:t>
+            </a:r>
+          </a:p>
+        </p:txBody>
+      </p:sp>
+      <p:sp>
+        <p:nvSpPr>
+          <p:cNvPr id="3" name="Content Placeholder 2">
+            <a:extLst>
+              <a:ext uri="{FF2B5EF4-FFF2-40B4-BE49-F238E27FC236}">
+                <a16:creationId xmlns:a16="http://schemas.microsoft.com/office/drawing/2014/main" id="{81CDAA85-2DEE-AE43-A058-F352F7786B61}"/>
+              </a:ext>
+            </a:extLst>
+          </p:cNvPr>
+          <p:cNvSpPr>
+            <a:spLocks noGrp="1"/>
+          </p:cNvSpPr>
+          <p:nvPr>
+            <p:ph idx="1"/>
+          </p:nvPr>
+        </p:nvSpPr>
+        <p:spPr/>
+        <p:txBody>
+          <a:bodyPr/>
+          <a:lstStyle/>
+          <a:p>
+            <a:r>
+              <a:rPr lang="pt-BR" dirty="0">
+                <a:hlinkClick r:id="rId2"/>
+              </a:rPr>
+              <a:t>gvanerven@gmail.com</a:t>
+            </a:r>
+            <a:endParaRPr lang="pt-BR" dirty="0"/>
+          </a:p>
+          <a:p>
+            <a:r>
+              <a:rPr lang="pt-BR" dirty="0" err="1"/>
+              <a:t>gustavo.erven@cgu.gov.br</a:t>
+            </a:r>
+            <a:endParaRPr lang="pt-BR" dirty="0"/>
+          </a:p>
+        </p:txBody>
+      </p:sp>
+    </p:spTree>
+    <p:extLst>
+      <p:ext uri="{BB962C8B-B14F-4D97-AF65-F5344CB8AC3E}">
+        <p14:creationId xmlns:p14="http://schemas.microsoft.com/office/powerpoint/2010/main" val="199033272"/>
+      </p:ext>
+    </p:extLst>
+  </p:cSld>
+  <p:clrMapOvr>
+    <a:masterClrMapping/>
+  </p:clrMapOvr>
+</p:sld>
+</file>
+
 <file path=ppt/slides/slide2.xml><?xml version="1.0" encoding="utf-8"?>
 <p:sld xmlns:a="http://schemas.openxmlformats.org/drawingml/2006/main" xmlns:r="http://schemas.openxmlformats.org/officeDocument/2006/relationships" xmlns:p="http://schemas.openxmlformats.org/presentationml/2006/main">
   <p:cSld>
@@ -5330,7 +5815,9 @@
         </p:nvSpPr>
         <p:spPr/>
         <p:txBody>
-          <a:bodyPr/>
+          <a:bodyPr>
+            <a:normAutofit fontScale="92500" lnSpcReduction="20000"/>
+          </a:bodyPr>
           <a:lstStyle/>
           <a:p>
             <a:r>
@@ -5391,6 +5878,13 @@
               <a:rPr lang="en-US" dirty="0"/>
               <a:t>)</a:t>
             </a:r>
+          </a:p>
+          <a:p>
+            <a:r>
+              <a:rPr lang="en-US" dirty="0" err="1"/>
+              <a:t>Busca</a:t>
+            </a:r>
+            <a:endParaRPr lang="en-US" dirty="0"/>
           </a:p>
         </p:txBody>
       </p:sp>
@@ -5952,7 +6446,7 @@
             <a:pPr lvl="1"/>
             <a:r>
               <a:rPr lang="pt-BR" dirty="0"/>
-              <a:t>TMS, SNA;</a:t>
+              <a:t>SNA;</a:t>
             </a:r>
           </a:p>
           <a:p>
